--- a/36075.pptx
+++ b/36075.pptx
@@ -5,7 +5,7 @@
     <p:sldMasterId id="2147483648" r:id="rId1"/>
   </p:sldMasterIdLst>
   <p:notesMasterIdLst>
-    <p:notesMasterId r:id="rId10"/>
+    <p:notesMasterId r:id="rId12"/>
   </p:notesMasterIdLst>
   <p:sldIdLst>
     <p:sldId id="256" r:id="rId2"/>
@@ -15,7 +15,9 @@
     <p:sldId id="262" r:id="rId6"/>
     <p:sldId id="261" r:id="rId7"/>
     <p:sldId id="263" r:id="rId8"/>
-    <p:sldId id="258" r:id="rId9"/>
+    <p:sldId id="265" r:id="rId9"/>
+    <p:sldId id="266" r:id="rId10"/>
+    <p:sldId id="258" r:id="rId11"/>
   </p:sldIdLst>
   <p:sldSz cx="9144000" cy="6858000" type="screen4x3"/>
   <p:notesSz cx="6858000" cy="9144000"/>
@@ -216,7 +218,7 @@
             <a:fld id="{A6102507-E446-4BF4-A654-A31349EA7678}" type="datetimeFigureOut">
               <a:rPr lang="en-US" smtClean="0"/>
               <a:pPr/>
-              <a:t>8/26/2019</a:t>
+              <a:t>10/16/2019</a:t>
             </a:fld>
             <a:endParaRPr lang="en-US"/>
           </a:p>
@@ -3604,18 +3606,15 @@
           </a:lstStyle>
           <a:p>
             <a:pPr algn="r"/>
-            <a:r>
-              <a:rPr lang="en-US" b="0" spc="0" dirty="0">
-                <a:ln>
-                  <a:noFill/>
-                </a:ln>
-                <a:solidFill>
-                  <a:schemeClr val="tx1"/>
-                </a:solidFill>
-                <a:effectLst/>
-              </a:rPr>
-              <a:t>26/08/2019</a:t>
-            </a:r>
+            <a:endParaRPr lang="en-US" b="0" spc="0" dirty="0">
+              <a:ln>
+                <a:noFill/>
+              </a:ln>
+              <a:solidFill>
+                <a:schemeClr val="tx1"/>
+              </a:solidFill>
+              <a:effectLst/>
+            </a:endParaRPr>
           </a:p>
         </p:txBody>
       </p:sp>
@@ -4001,7 +4000,35 @@
                 <a:latin typeface="Times New Roman" pitchFamily="18" charset="0"/>
                 <a:cs typeface="Times New Roman" pitchFamily="18" charset="0"/>
               </a:rPr>
-              <a:t>		        Guided By- Amruta Joshi</a:t>
+              <a:t>		        Guided By- </a:t>
+            </a:r>
+            <a:r>
+              <a:rPr lang="en-US" b="0" spc="0" dirty="0" err="1">
+                <a:ln>
+                  <a:noFill/>
+                </a:ln>
+                <a:solidFill>
+                  <a:schemeClr val="tx1"/>
+                </a:solidFill>
+                <a:effectLst/>
+                <a:latin typeface="Times New Roman" pitchFamily="18" charset="0"/>
+                <a:cs typeface="Times New Roman" pitchFamily="18" charset="0"/>
+              </a:rPr>
+              <a:t>Nandedkar</a:t>
+            </a:r>
+            <a:r>
+              <a:rPr lang="en-US" b="0" spc="0" dirty="0">
+                <a:ln>
+                  <a:noFill/>
+                </a:ln>
+                <a:solidFill>
+                  <a:schemeClr val="tx1"/>
+                </a:solidFill>
+                <a:effectLst/>
+                <a:latin typeface="Times New Roman" pitchFamily="18" charset="0"/>
+                <a:cs typeface="Times New Roman" pitchFamily="18" charset="0"/>
+              </a:rPr>
+              <a:t> Mam</a:t>
             </a:r>
           </a:p>
           <a:p>
@@ -4223,6 +4250,221 @@
     <p:extLst>
       <p:ext uri="{BB962C8B-B14F-4D97-AF65-F5344CB8AC3E}">
         <p14:creationId xmlns:p14="http://schemas.microsoft.com/office/powerpoint/2010/main" val="1255851144"/>
+      </p:ext>
+    </p:extLst>
+  </p:cSld>
+  <p:clrMapOvr>
+    <a:masterClrMapping/>
+  </p:clrMapOvr>
+</p:sld>
+</file>
+
+<file path=ppt/slides/slide10.xml><?xml version="1.0" encoding="utf-8"?>
+<p:sld xmlns:a="http://schemas.openxmlformats.org/drawingml/2006/main" xmlns:r="http://schemas.openxmlformats.org/officeDocument/2006/relationships" xmlns:p="http://schemas.openxmlformats.org/presentationml/2006/main">
+  <p:cSld>
+    <p:spTree>
+      <p:nvGrpSpPr>
+        <p:cNvPr id="1" name=""/>
+        <p:cNvGrpSpPr/>
+        <p:nvPr/>
+      </p:nvGrpSpPr>
+      <p:grpSpPr>
+        <a:xfrm>
+          <a:off x="0" y="0"/>
+          <a:ext cx="0" cy="0"/>
+          <a:chOff x="0" y="0"/>
+          <a:chExt cx="0" cy="0"/>
+        </a:xfrm>
+      </p:grpSpPr>
+      <p:sp>
+        <p:nvSpPr>
+          <p:cNvPr id="5" name="Text Placeholder 12"/>
+          <p:cNvSpPr txBox="1">
+            <a:spLocks/>
+          </p:cNvSpPr>
+          <p:nvPr/>
+        </p:nvSpPr>
+        <p:spPr>
+          <a:xfrm>
+            <a:off x="174170" y="1905000"/>
+            <a:ext cx="2543629" cy="609600"/>
+          </a:xfrm>
+          <a:prstGeom prst="rect">
+            <a:avLst/>
+          </a:prstGeom>
+        </p:spPr>
+        <p:txBody>
+          <a:bodyPr>
+            <a:scene3d>
+              <a:camera prst="orthographicFront"/>
+              <a:lightRig rig="soft" dir="t">
+                <a:rot lat="0" lon="0" rev="10800000"/>
+              </a:lightRig>
+            </a:scene3d>
+            <a:sp3d>
+              <a:bevelT w="27940" h="12700"/>
+              <a:contourClr>
+                <a:srgbClr val="DDDDDD"/>
+              </a:contourClr>
+            </a:sp3d>
+          </a:bodyPr>
+          <a:lstStyle>
+            <a:lvl1pPr marL="0" indent="0" algn="l" defTabSz="914400" rtl="0" eaLnBrk="1" latinLnBrk="0" hangingPunct="1">
+              <a:spcBef>
+                <a:spcPct val="20000"/>
+              </a:spcBef>
+              <a:buFont typeface="Arial" pitchFamily="34" charset="0"/>
+              <a:buNone/>
+              <a:defRPr sz="3200" b="1" kern="1200" cap="none" spc="150">
+                <a:ln w="11430"/>
+                <a:solidFill>
+                  <a:srgbClr val="F8F8F8"/>
+                </a:solidFill>
+                <a:effectLst>
+                  <a:outerShdw blurRad="25400" algn="tl" rotWithShape="0">
+                    <a:srgbClr val="000000">
+                      <a:alpha val="43000"/>
+                    </a:srgbClr>
+                  </a:outerShdw>
+                </a:effectLst>
+                <a:latin typeface="+mn-lt"/>
+                <a:ea typeface="+mn-ea"/>
+                <a:cs typeface="+mn-cs"/>
+              </a:defRPr>
+            </a:lvl1pPr>
+            <a:lvl2pPr marL="742950" indent="-285750" algn="l" defTabSz="914400" rtl="0" eaLnBrk="1" latinLnBrk="0" hangingPunct="1">
+              <a:spcBef>
+                <a:spcPct val="20000"/>
+              </a:spcBef>
+              <a:buFont typeface="Arial" pitchFamily="34" charset="0"/>
+              <a:buChar char="–"/>
+              <a:defRPr sz="2800" kern="1200">
+                <a:solidFill>
+                  <a:schemeClr val="tx1"/>
+                </a:solidFill>
+                <a:latin typeface="+mn-lt"/>
+                <a:ea typeface="+mn-ea"/>
+                <a:cs typeface="+mn-cs"/>
+              </a:defRPr>
+            </a:lvl2pPr>
+            <a:lvl3pPr marL="1143000" indent="-228600" algn="l" defTabSz="914400" rtl="0" eaLnBrk="1" latinLnBrk="0" hangingPunct="1">
+              <a:spcBef>
+                <a:spcPct val="20000"/>
+              </a:spcBef>
+              <a:buFont typeface="Arial" pitchFamily="34" charset="0"/>
+              <a:buChar char="•"/>
+              <a:defRPr sz="2400" kern="1200">
+                <a:solidFill>
+                  <a:schemeClr val="tx1"/>
+                </a:solidFill>
+                <a:latin typeface="+mn-lt"/>
+                <a:ea typeface="+mn-ea"/>
+                <a:cs typeface="+mn-cs"/>
+              </a:defRPr>
+            </a:lvl3pPr>
+            <a:lvl4pPr marL="1600200" indent="-228600" algn="l" defTabSz="914400" rtl="0" eaLnBrk="1" latinLnBrk="0" hangingPunct="1">
+              <a:spcBef>
+                <a:spcPct val="20000"/>
+              </a:spcBef>
+              <a:buFont typeface="Arial" pitchFamily="34" charset="0"/>
+              <a:buChar char="–"/>
+              <a:defRPr sz="2000" kern="1200">
+                <a:solidFill>
+                  <a:schemeClr val="tx1"/>
+                </a:solidFill>
+                <a:latin typeface="+mn-lt"/>
+                <a:ea typeface="+mn-ea"/>
+                <a:cs typeface="+mn-cs"/>
+              </a:defRPr>
+            </a:lvl4pPr>
+            <a:lvl5pPr marL="2057400" indent="-228600" algn="l" defTabSz="914400" rtl="0" eaLnBrk="1" latinLnBrk="0" hangingPunct="1">
+              <a:spcBef>
+                <a:spcPct val="20000"/>
+              </a:spcBef>
+              <a:buFont typeface="Arial" pitchFamily="34" charset="0"/>
+              <a:buChar char="»"/>
+              <a:defRPr sz="2000" kern="1200">
+                <a:solidFill>
+                  <a:schemeClr val="tx1"/>
+                </a:solidFill>
+                <a:latin typeface="+mn-lt"/>
+                <a:ea typeface="+mn-ea"/>
+                <a:cs typeface="+mn-cs"/>
+              </a:defRPr>
+            </a:lvl5pPr>
+            <a:lvl6pPr marL="2514600" indent="-228600" algn="l" defTabSz="914400" rtl="0" eaLnBrk="1" latinLnBrk="0" hangingPunct="1">
+              <a:spcBef>
+                <a:spcPct val="20000"/>
+              </a:spcBef>
+              <a:buFont typeface="Arial" pitchFamily="34" charset="0"/>
+              <a:buChar char="•"/>
+              <a:defRPr sz="2000" kern="1200">
+                <a:solidFill>
+                  <a:schemeClr val="tx1"/>
+                </a:solidFill>
+                <a:latin typeface="+mn-lt"/>
+                <a:ea typeface="+mn-ea"/>
+                <a:cs typeface="+mn-cs"/>
+              </a:defRPr>
+            </a:lvl6pPr>
+            <a:lvl7pPr marL="2971800" indent="-228600" algn="l" defTabSz="914400" rtl="0" eaLnBrk="1" latinLnBrk="0" hangingPunct="1">
+              <a:spcBef>
+                <a:spcPct val="20000"/>
+              </a:spcBef>
+              <a:buFont typeface="Arial" pitchFamily="34" charset="0"/>
+              <a:buChar char="•"/>
+              <a:defRPr sz="2000" kern="1200">
+                <a:solidFill>
+                  <a:schemeClr val="tx1"/>
+                </a:solidFill>
+                <a:latin typeface="+mn-lt"/>
+                <a:ea typeface="+mn-ea"/>
+                <a:cs typeface="+mn-cs"/>
+              </a:defRPr>
+            </a:lvl7pPr>
+            <a:lvl8pPr marL="3429000" indent="-228600" algn="l" defTabSz="914400" rtl="0" eaLnBrk="1" latinLnBrk="0" hangingPunct="1">
+              <a:spcBef>
+                <a:spcPct val="20000"/>
+              </a:spcBef>
+              <a:buFont typeface="Arial" pitchFamily="34" charset="0"/>
+              <a:buChar char="•"/>
+              <a:defRPr sz="2000" kern="1200">
+                <a:solidFill>
+                  <a:schemeClr val="tx1"/>
+                </a:solidFill>
+                <a:latin typeface="+mn-lt"/>
+                <a:ea typeface="+mn-ea"/>
+                <a:cs typeface="+mn-cs"/>
+              </a:defRPr>
+            </a:lvl8pPr>
+            <a:lvl9pPr marL="3886200" indent="-228600" algn="l" defTabSz="914400" rtl="0" eaLnBrk="1" latinLnBrk="0" hangingPunct="1">
+              <a:spcBef>
+                <a:spcPct val="20000"/>
+              </a:spcBef>
+              <a:buFont typeface="Arial" pitchFamily="34" charset="0"/>
+              <a:buChar char="•"/>
+              <a:defRPr sz="2000" kern="1200">
+                <a:solidFill>
+                  <a:schemeClr val="tx1"/>
+                </a:solidFill>
+                <a:latin typeface="+mn-lt"/>
+                <a:ea typeface="+mn-ea"/>
+                <a:cs typeface="+mn-cs"/>
+              </a:defRPr>
+            </a:lvl9pPr>
+          </a:lstStyle>
+          <a:p>
+            <a:r>
+              <a:rPr lang="en-US" dirty="0"/>
+              <a:t>THANK YOU</a:t>
+            </a:r>
+          </a:p>
+        </p:txBody>
+      </p:sp>
+    </p:spTree>
+    <p:extLst>
+      <p:ext uri="{BB962C8B-B14F-4D97-AF65-F5344CB8AC3E}">
+        <p14:creationId xmlns:p14="http://schemas.microsoft.com/office/powerpoint/2010/main" val="2790780262"/>
       </p:ext>
     </p:extLst>
   </p:cSld>
@@ -5313,7 +5555,7 @@
                 <a:latin typeface="Times New Roman" panose="02020603050405020304" pitchFamily="18" charset="0"/>
                 <a:cs typeface="Times New Roman" panose="02020603050405020304" pitchFamily="18" charset="0"/>
               </a:rPr>
-              <a:t>Finance Industry</a:t>
+              <a:t> Machine Learning </a:t>
             </a:r>
           </a:p>
           <a:p>
@@ -5322,7 +5564,7 @@
                 <a:latin typeface="Times New Roman" panose="02020603050405020304" pitchFamily="18" charset="0"/>
                 <a:cs typeface="Times New Roman" panose="02020603050405020304" pitchFamily="18" charset="0"/>
               </a:rPr>
-              <a:t>e-commerce Industry</a:t>
+              <a:t>Fog computing</a:t>
             </a:r>
           </a:p>
           <a:p>
@@ -5331,35 +5573,13 @@
                 <a:latin typeface="Times New Roman" panose="02020603050405020304" pitchFamily="18" charset="0"/>
                 <a:cs typeface="Times New Roman" panose="02020603050405020304" pitchFamily="18" charset="0"/>
               </a:rPr>
-              <a:t>Healthcare</a:t>
-            </a:r>
-          </a:p>
-          <a:p>
-            <a:r>
-              <a:rPr lang="en-IN" sz="2000" dirty="0">
-                <a:latin typeface="Times New Roman" panose="02020603050405020304" pitchFamily="18" charset="0"/>
-                <a:cs typeface="Times New Roman" panose="02020603050405020304" pitchFamily="18" charset="0"/>
-              </a:rPr>
-              <a:t>Media &amp; Entertainment Industry</a:t>
-            </a:r>
-          </a:p>
-          <a:p>
-            <a:pPr fontAlgn="base"/>
-            <a:r>
-              <a:rPr lang="en-IN" sz="2000" dirty="0">
-                <a:latin typeface="Times New Roman" panose="02020603050405020304" pitchFamily="18" charset="0"/>
-                <a:cs typeface="Times New Roman" panose="02020603050405020304" pitchFamily="18" charset="0"/>
-              </a:rPr>
-              <a:t> Travel Industry</a:t>
+              <a:t>Event detection</a:t>
             </a:r>
           </a:p>
           <a:p>
             <a:pPr marL="0" indent="0">
               <a:buNone/>
             </a:pPr>
-            <a:br>
-              <a:rPr lang="en-IN" dirty="0"/>
-            </a:br>
             <a:endParaRPr lang="en-IN" dirty="0"/>
           </a:p>
         </p:txBody>
@@ -5396,193 +5616,356 @@
       </p:grpSpPr>
       <p:sp>
         <p:nvSpPr>
-          <p:cNvPr id="5" name="Text Placeholder 12"/>
-          <p:cNvSpPr txBox="1">
-            <a:spLocks/>
+          <p:cNvPr id="2" name="Title 1">
+            <a:extLst>
+              <a:ext uri="{FF2B5EF4-FFF2-40B4-BE49-F238E27FC236}">
+                <a16:creationId xmlns:a16="http://schemas.microsoft.com/office/drawing/2014/main" id="{3C5494D0-AD22-49DC-BA57-23AF726BA214}"/>
+              </a:ext>
+            </a:extLst>
+          </p:cNvPr>
+          <p:cNvSpPr>
+            <a:spLocks noGrp="1"/>
           </p:cNvSpPr>
-          <p:nvPr/>
+          <p:nvPr>
+            <p:ph type="title"/>
+          </p:nvPr>
         </p:nvSpPr>
-        <p:spPr>
-          <a:xfrm>
-            <a:off x="174170" y="1905000"/>
-            <a:ext cx="2543629" cy="609600"/>
-          </a:xfrm>
-          <a:prstGeom prst="rect">
-            <a:avLst/>
-          </a:prstGeom>
-        </p:spPr>
+        <p:spPr/>
         <p:txBody>
-          <a:bodyPr>
-            <a:scene3d>
-              <a:camera prst="orthographicFront"/>
-              <a:lightRig rig="soft" dir="t">
-                <a:rot lat="0" lon="0" rev="10800000"/>
-              </a:lightRig>
-            </a:scene3d>
-            <a:sp3d>
-              <a:bevelT w="27940" h="12700"/>
-              <a:contourClr>
-                <a:srgbClr val="DDDDDD"/>
-              </a:contourClr>
-            </a:sp3d>
-          </a:bodyPr>
-          <a:lstStyle>
-            <a:lvl1pPr marL="0" indent="0" algn="l" defTabSz="914400" rtl="0" eaLnBrk="1" latinLnBrk="0" hangingPunct="1">
-              <a:spcBef>
-                <a:spcPct val="20000"/>
-              </a:spcBef>
-              <a:buFont typeface="Arial" pitchFamily="34" charset="0"/>
-              <a:buNone/>
-              <a:defRPr sz="3200" b="1" kern="1200" cap="none" spc="150">
-                <a:ln w="11430"/>
-                <a:solidFill>
-                  <a:srgbClr val="F8F8F8"/>
-                </a:solidFill>
-                <a:effectLst>
-                  <a:outerShdw blurRad="25400" algn="tl" rotWithShape="0">
-                    <a:srgbClr val="000000">
-                      <a:alpha val="43000"/>
-                    </a:srgbClr>
-                  </a:outerShdw>
-                </a:effectLst>
-                <a:latin typeface="+mn-lt"/>
-                <a:ea typeface="+mn-ea"/>
-                <a:cs typeface="+mn-cs"/>
-              </a:defRPr>
-            </a:lvl1pPr>
-            <a:lvl2pPr marL="742950" indent="-285750" algn="l" defTabSz="914400" rtl="0" eaLnBrk="1" latinLnBrk="0" hangingPunct="1">
-              <a:spcBef>
-                <a:spcPct val="20000"/>
-              </a:spcBef>
-              <a:buFont typeface="Arial" pitchFamily="34" charset="0"/>
-              <a:buChar char="–"/>
-              <a:defRPr sz="2800" kern="1200">
-                <a:solidFill>
-                  <a:schemeClr val="tx1"/>
-                </a:solidFill>
-                <a:latin typeface="+mn-lt"/>
-                <a:ea typeface="+mn-ea"/>
-                <a:cs typeface="+mn-cs"/>
-              </a:defRPr>
-            </a:lvl2pPr>
-            <a:lvl3pPr marL="1143000" indent="-228600" algn="l" defTabSz="914400" rtl="0" eaLnBrk="1" latinLnBrk="0" hangingPunct="1">
-              <a:spcBef>
-                <a:spcPct val="20000"/>
-              </a:spcBef>
-              <a:buFont typeface="Arial" pitchFamily="34" charset="0"/>
-              <a:buChar char="•"/>
-              <a:defRPr sz="2400" kern="1200">
-                <a:solidFill>
-                  <a:schemeClr val="tx1"/>
-                </a:solidFill>
-                <a:latin typeface="+mn-lt"/>
-                <a:ea typeface="+mn-ea"/>
-                <a:cs typeface="+mn-cs"/>
-              </a:defRPr>
-            </a:lvl3pPr>
-            <a:lvl4pPr marL="1600200" indent="-228600" algn="l" defTabSz="914400" rtl="0" eaLnBrk="1" latinLnBrk="0" hangingPunct="1">
-              <a:spcBef>
-                <a:spcPct val="20000"/>
-              </a:spcBef>
-              <a:buFont typeface="Arial" pitchFamily="34" charset="0"/>
-              <a:buChar char="–"/>
-              <a:defRPr sz="2000" kern="1200">
-                <a:solidFill>
-                  <a:schemeClr val="tx1"/>
-                </a:solidFill>
-                <a:latin typeface="+mn-lt"/>
-                <a:ea typeface="+mn-ea"/>
-                <a:cs typeface="+mn-cs"/>
-              </a:defRPr>
-            </a:lvl4pPr>
-            <a:lvl5pPr marL="2057400" indent="-228600" algn="l" defTabSz="914400" rtl="0" eaLnBrk="1" latinLnBrk="0" hangingPunct="1">
-              <a:spcBef>
-                <a:spcPct val="20000"/>
-              </a:spcBef>
-              <a:buFont typeface="Arial" pitchFamily="34" charset="0"/>
-              <a:buChar char="»"/>
-              <a:defRPr sz="2000" kern="1200">
-                <a:solidFill>
-                  <a:schemeClr val="tx1"/>
-                </a:solidFill>
-                <a:latin typeface="+mn-lt"/>
-                <a:ea typeface="+mn-ea"/>
-                <a:cs typeface="+mn-cs"/>
-              </a:defRPr>
-            </a:lvl5pPr>
-            <a:lvl6pPr marL="2514600" indent="-228600" algn="l" defTabSz="914400" rtl="0" eaLnBrk="1" latinLnBrk="0" hangingPunct="1">
-              <a:spcBef>
-                <a:spcPct val="20000"/>
-              </a:spcBef>
-              <a:buFont typeface="Arial" pitchFamily="34" charset="0"/>
-              <a:buChar char="•"/>
-              <a:defRPr sz="2000" kern="1200">
-                <a:solidFill>
-                  <a:schemeClr val="tx1"/>
-                </a:solidFill>
-                <a:latin typeface="+mn-lt"/>
-                <a:ea typeface="+mn-ea"/>
-                <a:cs typeface="+mn-cs"/>
-              </a:defRPr>
-            </a:lvl6pPr>
-            <a:lvl7pPr marL="2971800" indent="-228600" algn="l" defTabSz="914400" rtl="0" eaLnBrk="1" latinLnBrk="0" hangingPunct="1">
-              <a:spcBef>
-                <a:spcPct val="20000"/>
-              </a:spcBef>
-              <a:buFont typeface="Arial" pitchFamily="34" charset="0"/>
-              <a:buChar char="•"/>
-              <a:defRPr sz="2000" kern="1200">
-                <a:solidFill>
-                  <a:schemeClr val="tx1"/>
-                </a:solidFill>
-                <a:latin typeface="+mn-lt"/>
-                <a:ea typeface="+mn-ea"/>
-                <a:cs typeface="+mn-cs"/>
-              </a:defRPr>
-            </a:lvl7pPr>
-            <a:lvl8pPr marL="3429000" indent="-228600" algn="l" defTabSz="914400" rtl="0" eaLnBrk="1" latinLnBrk="0" hangingPunct="1">
-              <a:spcBef>
-                <a:spcPct val="20000"/>
-              </a:spcBef>
-              <a:buFont typeface="Arial" pitchFamily="34" charset="0"/>
-              <a:buChar char="•"/>
-              <a:defRPr sz="2000" kern="1200">
-                <a:solidFill>
-                  <a:schemeClr val="tx1"/>
-                </a:solidFill>
-                <a:latin typeface="+mn-lt"/>
-                <a:ea typeface="+mn-ea"/>
-                <a:cs typeface="+mn-cs"/>
-              </a:defRPr>
-            </a:lvl8pPr>
-            <a:lvl9pPr marL="3886200" indent="-228600" algn="l" defTabSz="914400" rtl="0" eaLnBrk="1" latinLnBrk="0" hangingPunct="1">
-              <a:spcBef>
-                <a:spcPct val="20000"/>
-              </a:spcBef>
-              <a:buFont typeface="Arial" pitchFamily="34" charset="0"/>
-              <a:buChar char="•"/>
-              <a:defRPr sz="2000" kern="1200">
-                <a:solidFill>
-                  <a:schemeClr val="tx1"/>
-                </a:solidFill>
-                <a:latin typeface="+mn-lt"/>
-                <a:ea typeface="+mn-ea"/>
-                <a:cs typeface="+mn-cs"/>
-              </a:defRPr>
-            </a:lvl9pPr>
-          </a:lstStyle>
+          <a:bodyPr/>
+          <a:lstStyle/>
           <a:p>
             <a:r>
               <a:rPr lang="en-US" dirty="0"/>
-              <a:t>THANK YOU</a:t>
-            </a:r>
+              <a:t>Conclusion</a:t>
+            </a:r>
+            <a:endParaRPr lang="en-IN" dirty="0"/>
+          </a:p>
+        </p:txBody>
+      </p:sp>
+      <p:sp>
+        <p:nvSpPr>
+          <p:cNvPr id="3" name="Content Placeholder 2">
+            <a:extLst>
+              <a:ext uri="{FF2B5EF4-FFF2-40B4-BE49-F238E27FC236}">
+                <a16:creationId xmlns:a16="http://schemas.microsoft.com/office/drawing/2014/main" id="{55FBF048-576D-496A-B76D-03B531512862}"/>
+              </a:ext>
+            </a:extLst>
+          </p:cNvPr>
+          <p:cNvSpPr>
+            <a:spLocks noGrp="1"/>
+          </p:cNvSpPr>
+          <p:nvPr>
+            <p:ph idx="1"/>
+          </p:nvPr>
+        </p:nvSpPr>
+        <p:spPr/>
+        <p:txBody>
+          <a:bodyPr/>
+          <a:lstStyle/>
+          <a:p>
+            <a:pPr marL="0" indent="0">
+              <a:buNone/>
+            </a:pPr>
+            <a:r>
+              <a:rPr lang="en-US" sz="2000" dirty="0">
+                <a:latin typeface="Times New Roman" panose="02020603050405020304" pitchFamily="18" charset="0"/>
+                <a:cs typeface="Times New Roman" panose="02020603050405020304" pitchFamily="18" charset="0"/>
+              </a:rPr>
+              <a:t>Spark SQL, a new module in Apache Spark providing rich integration with relational processing. Spark SQL extends Spark with a declarative </a:t>
+            </a:r>
+            <a:r>
+              <a:rPr lang="en-US" sz="2000" dirty="0" err="1">
+                <a:latin typeface="Times New Roman" panose="02020603050405020304" pitchFamily="18" charset="0"/>
+                <a:cs typeface="Times New Roman" panose="02020603050405020304" pitchFamily="18" charset="0"/>
+              </a:rPr>
+              <a:t>DataFrame</a:t>
+            </a:r>
+            <a:r>
+              <a:rPr lang="en-US" sz="2000" dirty="0">
+                <a:latin typeface="Times New Roman" panose="02020603050405020304" pitchFamily="18" charset="0"/>
+                <a:cs typeface="Times New Roman" panose="02020603050405020304" pitchFamily="18" charset="0"/>
+              </a:rPr>
+              <a:t> API to allow relational processing, offering benefits such as automatic optimization, and letting users write complex pipelines that mix relational and complex analytics.</a:t>
+            </a:r>
+            <a:endParaRPr lang="en-IN" sz="2000" dirty="0">
+              <a:latin typeface="Times New Roman" panose="02020603050405020304" pitchFamily="18" charset="0"/>
+              <a:cs typeface="Times New Roman" panose="02020603050405020304" pitchFamily="18" charset="0"/>
+            </a:endParaRPr>
           </a:p>
         </p:txBody>
       </p:sp>
     </p:spTree>
     <p:extLst>
       <p:ext uri="{BB962C8B-B14F-4D97-AF65-F5344CB8AC3E}">
-        <p14:creationId xmlns:p14="http://schemas.microsoft.com/office/powerpoint/2010/main" val="2790780262"/>
+        <p14:creationId xmlns:p14="http://schemas.microsoft.com/office/powerpoint/2010/main" val="1962352168"/>
+      </p:ext>
+    </p:extLst>
+  </p:cSld>
+  <p:clrMapOvr>
+    <a:masterClrMapping/>
+  </p:clrMapOvr>
+</p:sld>
+</file>
+
+<file path=ppt/slides/slide9.xml><?xml version="1.0" encoding="utf-8"?>
+<p:sld xmlns:a="http://schemas.openxmlformats.org/drawingml/2006/main" xmlns:r="http://schemas.openxmlformats.org/officeDocument/2006/relationships" xmlns:p="http://schemas.openxmlformats.org/presentationml/2006/main">
+  <p:cSld>
+    <p:spTree>
+      <p:nvGrpSpPr>
+        <p:cNvPr id="1" name=""/>
+        <p:cNvGrpSpPr/>
+        <p:nvPr/>
+      </p:nvGrpSpPr>
+      <p:grpSpPr>
+        <a:xfrm>
+          <a:off x="0" y="0"/>
+          <a:ext cx="0" cy="0"/>
+          <a:chOff x="0" y="0"/>
+          <a:chExt cx="0" cy="0"/>
+        </a:xfrm>
+      </p:grpSpPr>
+      <p:sp>
+        <p:nvSpPr>
+          <p:cNvPr id="2" name="Title 1">
+            <a:extLst>
+              <a:ext uri="{FF2B5EF4-FFF2-40B4-BE49-F238E27FC236}">
+                <a16:creationId xmlns:a16="http://schemas.microsoft.com/office/drawing/2014/main" id="{C12DF1F3-76FA-4C41-BCB5-393E4CDC3976}"/>
+              </a:ext>
+            </a:extLst>
+          </p:cNvPr>
+          <p:cNvSpPr>
+            <a:spLocks noGrp="1"/>
+          </p:cNvSpPr>
+          <p:nvPr>
+            <p:ph type="title"/>
+          </p:nvPr>
+        </p:nvSpPr>
+        <p:spPr/>
+        <p:txBody>
+          <a:bodyPr/>
+          <a:lstStyle/>
+          <a:p>
+            <a:r>
+              <a:rPr lang="en-US" dirty="0"/>
+              <a:t>References</a:t>
+            </a:r>
+            <a:endParaRPr lang="en-IN" dirty="0"/>
+          </a:p>
+        </p:txBody>
+      </p:sp>
+      <p:sp>
+        <p:nvSpPr>
+          <p:cNvPr id="3" name="Content Placeholder 2">
+            <a:extLst>
+              <a:ext uri="{FF2B5EF4-FFF2-40B4-BE49-F238E27FC236}">
+                <a16:creationId xmlns:a16="http://schemas.microsoft.com/office/drawing/2014/main" id="{E97C353F-D745-413D-A76D-4A73D2AE3BC4}"/>
+              </a:ext>
+            </a:extLst>
+          </p:cNvPr>
+          <p:cNvSpPr>
+            <a:spLocks noGrp="1"/>
+          </p:cNvSpPr>
+          <p:nvPr>
+            <p:ph idx="1"/>
+          </p:nvPr>
+        </p:nvSpPr>
+        <p:spPr/>
+        <p:txBody>
+          <a:bodyPr/>
+          <a:lstStyle/>
+          <a:p>
+            <a:pPr marL="0" indent="0">
+              <a:buNone/>
+            </a:pPr>
+            <a:r>
+              <a:rPr lang="en-IN" sz="2000" dirty="0">
+                <a:latin typeface="Times New Roman" panose="02020603050405020304" pitchFamily="18" charset="0"/>
+                <a:cs typeface="Times New Roman" panose="02020603050405020304" pitchFamily="18" charset="0"/>
+              </a:rPr>
+              <a:t> [1]  Working of apache spark </a:t>
+            </a:r>
+          </a:p>
+          <a:p>
+            <a:pPr marL="0" indent="0">
+              <a:buNone/>
+            </a:pPr>
+            <a:r>
+              <a:rPr lang="en-IN" sz="2000" dirty="0">
+                <a:latin typeface="Times New Roman" panose="02020603050405020304" pitchFamily="18" charset="0"/>
+                <a:cs typeface="Times New Roman" panose="02020603050405020304" pitchFamily="18" charset="0"/>
+              </a:rPr>
+              <a:t>        https://data-flair.training/blogs/how-apache-spark-works/ </a:t>
+            </a:r>
+          </a:p>
+          <a:p>
+            <a:pPr marL="0" indent="0">
+              <a:buNone/>
+            </a:pPr>
+            <a:r>
+              <a:rPr lang="en-IN" sz="2000" dirty="0">
+                <a:latin typeface="Times New Roman" panose="02020603050405020304" pitchFamily="18" charset="0"/>
+                <a:cs typeface="Times New Roman" panose="02020603050405020304" pitchFamily="18" charset="0"/>
+              </a:rPr>
+              <a:t>[2]  Apache spark </a:t>
+            </a:r>
+            <a:r>
+              <a:rPr lang="en-IN" sz="2000" dirty="0" err="1">
+                <a:latin typeface="Times New Roman" panose="02020603050405020304" pitchFamily="18" charset="0"/>
+                <a:cs typeface="Times New Roman" panose="02020603050405020304" pitchFamily="18" charset="0"/>
+              </a:rPr>
+              <a:t>Arechitecture</a:t>
+            </a:r>
+            <a:r>
+              <a:rPr lang="en-IN" sz="2000" dirty="0">
+                <a:latin typeface="Times New Roman" panose="02020603050405020304" pitchFamily="18" charset="0"/>
+                <a:cs typeface="Times New Roman" panose="02020603050405020304" pitchFamily="18" charset="0"/>
+              </a:rPr>
+              <a:t> </a:t>
+            </a:r>
+          </a:p>
+          <a:p>
+            <a:pPr marL="0" indent="0">
+              <a:buNone/>
+            </a:pPr>
+            <a:r>
+              <a:rPr lang="en-IN" sz="2000" dirty="0">
+                <a:latin typeface="Times New Roman" panose="02020603050405020304" pitchFamily="18" charset="0"/>
+                <a:cs typeface="Times New Roman" panose="02020603050405020304" pitchFamily="18" charset="0"/>
+              </a:rPr>
+              <a:t>       https://www.edureka.co/blog/spark-architecture/ </a:t>
+            </a:r>
+          </a:p>
+          <a:p>
+            <a:pPr marL="0" indent="0">
+              <a:buNone/>
+            </a:pPr>
+            <a:r>
+              <a:rPr lang="en-IN" sz="2000" dirty="0">
+                <a:latin typeface="Times New Roman" panose="02020603050405020304" pitchFamily="18" charset="0"/>
+                <a:cs typeface="Times New Roman" panose="02020603050405020304" pitchFamily="18" charset="0"/>
+              </a:rPr>
+              <a:t>       [3]  Spark SQL: Relational Data Processing in Spark. Michael </a:t>
+            </a:r>
+            <a:r>
+              <a:rPr lang="en-IN" sz="2000" dirty="0" err="1">
+                <a:latin typeface="Times New Roman" panose="02020603050405020304" pitchFamily="18" charset="0"/>
+                <a:cs typeface="Times New Roman" panose="02020603050405020304" pitchFamily="18" charset="0"/>
+              </a:rPr>
+              <a:t>Armbrust</a:t>
+            </a:r>
+            <a:r>
+              <a:rPr lang="en-IN" sz="2000" dirty="0">
+                <a:latin typeface="Times New Roman" panose="02020603050405020304" pitchFamily="18" charset="0"/>
+                <a:cs typeface="Times New Roman" panose="02020603050405020304" pitchFamily="18" charset="0"/>
+              </a:rPr>
+              <a:t>, Reynold S. Xin, Cheng Lian, Yin </a:t>
+            </a:r>
+            <a:r>
+              <a:rPr lang="en-IN" sz="2000" dirty="0" err="1">
+                <a:latin typeface="Times New Roman" panose="02020603050405020304" pitchFamily="18" charset="0"/>
+                <a:cs typeface="Times New Roman" panose="02020603050405020304" pitchFamily="18" charset="0"/>
+              </a:rPr>
+              <a:t>Huai</a:t>
+            </a:r>
+            <a:r>
+              <a:rPr lang="en-IN" sz="2000" dirty="0">
+                <a:latin typeface="Times New Roman" panose="02020603050405020304" pitchFamily="18" charset="0"/>
+                <a:cs typeface="Times New Roman" panose="02020603050405020304" pitchFamily="18" charset="0"/>
+              </a:rPr>
+              <a:t>, Davies Liu, Joseph K. Bradley, </a:t>
+            </a:r>
+            <a:r>
+              <a:rPr lang="en-IN" sz="2000" dirty="0" err="1">
+                <a:latin typeface="Times New Roman" panose="02020603050405020304" pitchFamily="18" charset="0"/>
+                <a:cs typeface="Times New Roman" panose="02020603050405020304" pitchFamily="18" charset="0"/>
+              </a:rPr>
+              <a:t>Xiangrui</a:t>
+            </a:r>
+            <a:r>
+              <a:rPr lang="en-IN" sz="2000" dirty="0">
+                <a:latin typeface="Times New Roman" panose="02020603050405020304" pitchFamily="18" charset="0"/>
+                <a:cs typeface="Times New Roman" panose="02020603050405020304" pitchFamily="18" charset="0"/>
+              </a:rPr>
+              <a:t> Meng, Tomer Kaftan, Michael J. Franklin, Ali </a:t>
+            </a:r>
+            <a:r>
+              <a:rPr lang="en-IN" sz="2000" dirty="0" err="1">
+                <a:latin typeface="Times New Roman" panose="02020603050405020304" pitchFamily="18" charset="0"/>
+                <a:cs typeface="Times New Roman" panose="02020603050405020304" pitchFamily="18" charset="0"/>
+              </a:rPr>
+              <a:t>Ghodsi</a:t>
+            </a:r>
+            <a:r>
+              <a:rPr lang="en-IN" sz="2000" dirty="0">
+                <a:latin typeface="Times New Roman" panose="02020603050405020304" pitchFamily="18" charset="0"/>
+                <a:cs typeface="Times New Roman" panose="02020603050405020304" pitchFamily="18" charset="0"/>
+              </a:rPr>
+              <a:t>, </a:t>
+            </a:r>
+            <a:r>
+              <a:rPr lang="en-IN" sz="2000" dirty="0" err="1">
+                <a:latin typeface="Times New Roman" panose="02020603050405020304" pitchFamily="18" charset="0"/>
+                <a:cs typeface="Times New Roman" panose="02020603050405020304" pitchFamily="18" charset="0"/>
+              </a:rPr>
+              <a:t>Matei</a:t>
+            </a:r>
+            <a:r>
+              <a:rPr lang="en-IN" sz="2000" dirty="0">
+                <a:latin typeface="Times New Roman" panose="02020603050405020304" pitchFamily="18" charset="0"/>
+                <a:cs typeface="Times New Roman" panose="02020603050405020304" pitchFamily="18" charset="0"/>
+              </a:rPr>
+              <a:t> </a:t>
+            </a:r>
+            <a:r>
+              <a:rPr lang="en-IN" sz="2000" dirty="0" err="1">
+                <a:latin typeface="Times New Roman" panose="02020603050405020304" pitchFamily="18" charset="0"/>
+                <a:cs typeface="Times New Roman" panose="02020603050405020304" pitchFamily="18" charset="0"/>
+              </a:rPr>
+              <a:t>Zaharia</a:t>
+            </a:r>
+            <a:r>
+              <a:rPr lang="en-IN" sz="2000" dirty="0">
+                <a:latin typeface="Times New Roman" panose="02020603050405020304" pitchFamily="18" charset="0"/>
+                <a:cs typeface="Times New Roman" panose="02020603050405020304" pitchFamily="18" charset="0"/>
+              </a:rPr>
+              <a:t>. SIGMOD 2015. June 2015. </a:t>
+            </a:r>
+          </a:p>
+          <a:p>
+            <a:pPr marL="0" indent="0">
+              <a:buNone/>
+            </a:pPr>
+            <a:r>
+              <a:rPr lang="en-IN" sz="2000" dirty="0">
+                <a:latin typeface="Times New Roman" panose="02020603050405020304" pitchFamily="18" charset="0"/>
+                <a:cs typeface="Times New Roman" panose="02020603050405020304" pitchFamily="18" charset="0"/>
+              </a:rPr>
+              <a:t>        [4] Spark applications </a:t>
+            </a:r>
+          </a:p>
+          <a:p>
+            <a:pPr marL="0" indent="0">
+              <a:buNone/>
+            </a:pPr>
+            <a:r>
+              <a:rPr lang="en-IN" sz="2000">
+                <a:latin typeface="Times New Roman" panose="02020603050405020304" pitchFamily="18" charset="0"/>
+                <a:cs typeface="Times New Roman" panose="02020603050405020304" pitchFamily="18" charset="0"/>
+              </a:rPr>
+              <a:t>https://intellipaat.com/blog/tutorial/spark-tutorial/apache-spark-applications/ </a:t>
+            </a:r>
+            <a:endParaRPr lang="en-IN" sz="2000" dirty="0">
+              <a:latin typeface="Times New Roman" panose="02020603050405020304" pitchFamily="18" charset="0"/>
+              <a:cs typeface="Times New Roman" panose="02020603050405020304" pitchFamily="18" charset="0"/>
+            </a:endParaRPr>
+          </a:p>
+        </p:txBody>
+      </p:sp>
+    </p:spTree>
+    <p:extLst>
+      <p:ext uri="{BB962C8B-B14F-4D97-AF65-F5344CB8AC3E}">
+        <p14:creationId xmlns:p14="http://schemas.microsoft.com/office/powerpoint/2010/main" val="56155018"/>
       </p:ext>
     </p:extLst>
   </p:cSld>
